--- a/w05/W05.pptx
+++ b/w05/W05.pptx
@@ -404,7 +404,8 @@
           <a:p>
             <a:fld id="{5BBEAD13-0566-4C6C-97E7-55F17F24B09F}" type="datetimeFigureOut">
               <a:rPr lang="zh-TW" altLang="en-US" smtClean="0"/>
-              <a:t>2022/3/4</a:t>
+              <a:pPr/>
+              <a:t>2022/10/5</a:t>
             </a:fld>
             <a:endParaRPr lang="zh-TW" altLang="en-US"/>
           </a:p>
@@ -472,6 +473,7 @@
           <a:p>
             <a:fld id="{73DA0BB7-265A-403C-9275-D587AB510EDC}" type="slidenum">
               <a:rPr lang="zh-TW" altLang="en-US" smtClean="0"/>
+              <a:pPr/>
               <a:t>‹#›</a:t>
             </a:fld>
             <a:endParaRPr lang="zh-TW" altLang="en-US"/>
@@ -595,7 +597,8 @@
           <a:p>
             <a:fld id="{5BBEAD13-0566-4C6C-97E7-55F17F24B09F}" type="datetimeFigureOut">
               <a:rPr lang="zh-TW" altLang="en-US" smtClean="0"/>
-              <a:t>2022/3/4</a:t>
+              <a:pPr/>
+              <a:t>2022/10/5</a:t>
             </a:fld>
             <a:endParaRPr lang="zh-TW" altLang="en-US"/>
           </a:p>
@@ -637,6 +640,7 @@
           <a:p>
             <a:fld id="{73DA0BB7-265A-403C-9275-D587AB510EDC}" type="slidenum">
               <a:rPr lang="zh-TW" altLang="en-US" smtClean="0"/>
+              <a:pPr/>
               <a:t>‹#›</a:t>
             </a:fld>
             <a:endParaRPr lang="zh-TW" altLang="en-US"/>
@@ -780,7 +784,8 @@
           <a:p>
             <a:fld id="{5BBEAD13-0566-4C6C-97E7-55F17F24B09F}" type="datetimeFigureOut">
               <a:rPr lang="zh-TW" altLang="en-US" smtClean="0"/>
-              <a:t>2022/3/4</a:t>
+              <a:pPr/>
+              <a:t>2022/10/5</a:t>
             </a:fld>
             <a:endParaRPr lang="zh-TW" altLang="en-US"/>
           </a:p>
@@ -967,6 +972,7 @@
           <a:p>
             <a:fld id="{73DA0BB7-265A-403C-9275-D587AB510EDC}" type="slidenum">
               <a:rPr lang="zh-TW" altLang="en-US" smtClean="0"/>
+              <a:pPr/>
               <a:t>‹#›</a:t>
             </a:fld>
             <a:endParaRPr lang="zh-TW" altLang="en-US"/>
@@ -1043,7 +1049,8 @@
           <a:p>
             <a:fld id="{5BBEAD13-0566-4C6C-97E7-55F17F24B09F}" type="datetimeFigureOut">
               <a:rPr lang="zh-TW" altLang="en-US" smtClean="0"/>
-              <a:t>2022/3/4</a:t>
+              <a:pPr/>
+              <a:t>2022/10/5</a:t>
             </a:fld>
             <a:endParaRPr lang="zh-TW" altLang="en-US"/>
           </a:p>
@@ -1093,6 +1100,7 @@
           <a:p>
             <a:fld id="{73DA0BB7-265A-403C-9275-D587AB510EDC}" type="slidenum">
               <a:rPr lang="zh-TW" altLang="en-US" smtClean="0"/>
+              <a:pPr/>
               <a:t>‹#›</a:t>
             </a:fld>
             <a:endParaRPr lang="zh-TW" altLang="en-US"/>
@@ -1459,7 +1467,8 @@
           <a:p>
             <a:fld id="{5BBEAD13-0566-4C6C-97E7-55F17F24B09F}" type="datetimeFigureOut">
               <a:rPr lang="zh-TW" altLang="en-US" smtClean="0"/>
-              <a:t>2022/3/4</a:t>
+              <a:pPr/>
+              <a:t>2022/10/5</a:t>
             </a:fld>
             <a:endParaRPr lang="zh-TW" altLang="en-US"/>
           </a:p>
@@ -1497,6 +1506,7 @@
           <a:p>
             <a:fld id="{73DA0BB7-265A-403C-9275-D587AB510EDC}" type="slidenum">
               <a:rPr lang="zh-TW" altLang="en-US" smtClean="0"/>
+              <a:pPr/>
               <a:t>‹#›</a:t>
             </a:fld>
             <a:endParaRPr lang="zh-TW" altLang="en-US"/>
@@ -1701,7 +1711,8 @@
           <a:p>
             <a:fld id="{5BBEAD13-0566-4C6C-97E7-55F17F24B09F}" type="datetimeFigureOut">
               <a:rPr lang="zh-TW" altLang="en-US" smtClean="0"/>
-              <a:t>2022/3/4</a:t>
+              <a:pPr/>
+              <a:t>2022/10/5</a:t>
             </a:fld>
             <a:endParaRPr lang="zh-TW" altLang="en-US"/>
           </a:p>
@@ -1724,6 +1735,7 @@
           <a:p>
             <a:fld id="{73DA0BB7-265A-403C-9275-D587AB510EDC}" type="slidenum">
               <a:rPr lang="zh-TW" altLang="en-US" smtClean="0"/>
+              <a:pPr/>
               <a:t>‹#›</a:t>
             </a:fld>
             <a:endParaRPr lang="zh-TW" altLang="en-US"/>
@@ -1937,7 +1949,8 @@
           <a:p>
             <a:fld id="{5BBEAD13-0566-4C6C-97E7-55F17F24B09F}" type="datetimeFigureOut">
               <a:rPr lang="zh-TW" altLang="en-US" smtClean="0"/>
-              <a:t>2022/3/4</a:t>
+              <a:pPr/>
+              <a:t>2022/10/5</a:t>
             </a:fld>
             <a:endParaRPr lang="zh-TW" altLang="en-US"/>
           </a:p>
@@ -1960,6 +1973,7 @@
           <a:p>
             <a:fld id="{73DA0BB7-265A-403C-9275-D587AB510EDC}" type="slidenum">
               <a:rPr lang="zh-TW" altLang="en-US" smtClean="0"/>
+              <a:pPr/>
               <a:t>‹#›</a:t>
             </a:fld>
             <a:endParaRPr lang="zh-TW" altLang="en-US"/>
@@ -2132,7 +2146,8 @@
           <a:p>
             <a:fld id="{5BBEAD13-0566-4C6C-97E7-55F17F24B09F}" type="datetimeFigureOut">
               <a:rPr lang="zh-TW" altLang="en-US" smtClean="0"/>
-              <a:t>2022/3/4</a:t>
+              <a:pPr/>
+              <a:t>2022/10/5</a:t>
             </a:fld>
             <a:endParaRPr lang="zh-TW" altLang="en-US"/>
           </a:p>
@@ -2182,6 +2197,7 @@
           <a:p>
             <a:fld id="{73DA0BB7-265A-403C-9275-D587AB510EDC}" type="slidenum">
               <a:rPr lang="zh-TW" altLang="en-US" smtClean="0"/>
+              <a:pPr/>
               <a:t>‹#›</a:t>
             </a:fld>
             <a:endParaRPr lang="zh-TW" altLang="en-US"/>
@@ -2230,7 +2246,8 @@
           <a:p>
             <a:fld id="{5BBEAD13-0566-4C6C-97E7-55F17F24B09F}" type="datetimeFigureOut">
               <a:rPr lang="zh-TW" altLang="en-US" smtClean="0"/>
-              <a:t>2022/3/4</a:t>
+              <a:pPr/>
+              <a:t>2022/10/5</a:t>
             </a:fld>
             <a:endParaRPr lang="zh-TW" altLang="en-US"/>
           </a:p>
@@ -2285,6 +2302,7 @@
           <a:p>
             <a:fld id="{73DA0BB7-265A-403C-9275-D587AB510EDC}" type="slidenum">
               <a:rPr lang="zh-TW" altLang="en-US" smtClean="0"/>
+              <a:pPr/>
               <a:t>‹#›</a:t>
             </a:fld>
             <a:endParaRPr lang="zh-TW" altLang="en-US"/>
@@ -2366,7 +2384,8 @@
           <a:p>
             <a:fld id="{5BBEAD13-0566-4C6C-97E7-55F17F24B09F}" type="datetimeFigureOut">
               <a:rPr lang="zh-TW" altLang="en-US" smtClean="0"/>
-              <a:t>2022/3/4</a:t>
+              <a:pPr/>
+              <a:t>2022/10/5</a:t>
             </a:fld>
             <a:endParaRPr lang="zh-TW" altLang="en-US"/>
           </a:p>
@@ -2416,6 +2435,7 @@
           <a:p>
             <a:fld id="{73DA0BB7-265A-403C-9275-D587AB510EDC}" type="slidenum">
               <a:rPr lang="zh-TW" altLang="en-US" smtClean="0"/>
+              <a:pPr/>
               <a:t>‹#›</a:t>
             </a:fld>
             <a:endParaRPr lang="zh-TW" altLang="en-US"/>
@@ -2884,7 +2904,8 @@
           <a:p>
             <a:fld id="{5BBEAD13-0566-4C6C-97E7-55F17F24B09F}" type="datetimeFigureOut">
               <a:rPr lang="zh-TW" altLang="en-US" smtClean="0"/>
-              <a:t>2022/3/4</a:t>
+              <a:pPr/>
+              <a:t>2022/10/5</a:t>
             </a:fld>
             <a:endParaRPr lang="zh-TW" altLang="en-US"/>
           </a:p>
@@ -2916,6 +2937,7 @@
           <a:p>
             <a:fld id="{73DA0BB7-265A-403C-9275-D587AB510EDC}" type="slidenum">
               <a:rPr lang="zh-TW" altLang="en-US" smtClean="0"/>
+              <a:pPr/>
               <a:t>‹#›</a:t>
             </a:fld>
             <a:endParaRPr lang="zh-TW" altLang="en-US"/>
@@ -3145,7 +3167,8 @@
           <a:p>
             <a:fld id="{5BBEAD13-0566-4C6C-97E7-55F17F24B09F}" type="datetimeFigureOut">
               <a:rPr lang="zh-TW" altLang="en-US" smtClean="0"/>
-              <a:t>2022/3/4</a:t>
+              <a:pPr/>
+              <a:t>2022/10/5</a:t>
             </a:fld>
             <a:endParaRPr lang="zh-TW" altLang="en-US"/>
           </a:p>
@@ -3363,6 +3386,7 @@
           <a:p>
             <a:fld id="{73DA0BB7-265A-403C-9275-D587AB510EDC}" type="slidenum">
               <a:rPr lang="zh-TW" altLang="en-US" smtClean="0"/>
+              <a:pPr/>
               <a:t>‹#›</a:t>
             </a:fld>
             <a:endParaRPr lang="zh-TW" altLang="en-US"/>
@@ -3709,11 +3733,7 @@
             </a:r>
             <a:r>
               <a:rPr lang="en-US" altLang="zh-TW" dirty="0" smtClean="0"/>
-              <a:t>-</a:t>
-            </a:r>
-            <a:r>
-              <a:rPr lang="en-US" altLang="zh-TW" dirty="0" smtClean="0"/>
-              <a:t>W05</a:t>
+              <a:t>-W05</a:t>
             </a:r>
             <a:endParaRPr lang="zh-TW" altLang="en-US" dirty="0"/>
           </a:p>
@@ -3749,7 +3769,7 @@
     </p:spTree>
     <p:extLst>
       <p:ext uri="{BB962C8B-B14F-4D97-AF65-F5344CB8AC3E}">
-        <p14:creationId xmlns:p14="http://schemas.microsoft.com/office/powerpoint/2010/main" val="907554520"/>
+        <p14:creationId xmlns:p14="http://schemas.microsoft.com/office/powerpoint/2010/main" xmlns="" val="907554520"/>
       </p:ext>
     </p:extLst>
   </p:cSld>
@@ -3797,11 +3817,7 @@
             </a:r>
             <a:r>
               <a:rPr lang="zh-TW" altLang="en-US" dirty="0" smtClean="0"/>
-              <a:t>的</a:t>
-            </a:r>
-            <a:r>
-              <a:rPr lang="zh-TW" altLang="en-US" dirty="0" smtClean="0"/>
-              <a:t>主題</a:t>
+              <a:t>的主題</a:t>
             </a:r>
             <a:endParaRPr lang="zh-TW" altLang="en-US" dirty="0"/>
           </a:p>
@@ -3830,7 +3846,6 @@
               <a:rPr lang="zh-TW" altLang="zh-TW" dirty="0"/>
               <a:t>元件</a:t>
             </a:r>
-            <a:endParaRPr lang="zh-TW" altLang="zh-TW" dirty="0"/>
           </a:p>
           <a:p>
             <a:r>
@@ -3852,7 +3867,7 @@
     </p:spTree>
     <p:extLst>
       <p:ext uri="{BB962C8B-B14F-4D97-AF65-F5344CB8AC3E}">
-        <p14:creationId xmlns:p14="http://schemas.microsoft.com/office/powerpoint/2010/main" val="3063263756"/>
+        <p14:creationId xmlns:p14="http://schemas.microsoft.com/office/powerpoint/2010/main" xmlns="" val="3063263756"/>
       </p:ext>
     </p:extLst>
   </p:cSld>
@@ -3903,12 +3918,12 @@
               <a:t>使用</a:t>
             </a:r>
             <a:r>
-              <a:rPr lang="en-US" altLang="zh-TW" dirty="0"/>
+              <a:rPr lang="en-US" altLang="zh-TW" dirty="0" smtClean="0"/>
               <a:t>APP</a:t>
             </a:r>
             <a:r>
-              <a:rPr lang="zh-TW" altLang="zh-TW" dirty="0" smtClean="0"/>
-              <a:t>計算</a:t>
+              <a:rPr lang="zh-TW" altLang="en-US" dirty="0" smtClean="0"/>
+              <a:t>猜拳</a:t>
             </a:r>
             <a:endParaRPr lang="zh-TW" altLang="en-US" dirty="0"/>
           </a:p>
@@ -3983,7 +3998,7 @@
           <a:blip r:embed="rId2">
             <a:extLst>
               <a:ext uri="{28A0092B-C50C-407E-A947-70E740481C1C}">
-                <a14:useLocalDpi xmlns:a14="http://schemas.microsoft.com/office/drawing/2010/main" val="0"/>
+                <a14:useLocalDpi xmlns:a14="http://schemas.microsoft.com/office/drawing/2010/main" xmlns="" val="0"/>
               </a:ext>
             </a:extLst>
           </a:blip>
@@ -4007,14 +4022,14 @@
           <a:effectLst/>
           <a:extLst>
             <a:ext uri="{909E8E84-426E-40DD-AFC4-6F175D3DCCD1}">
-              <a14:hiddenFill xmlns:a14="http://schemas.microsoft.com/office/drawing/2010/main">
+              <a14:hiddenFill xmlns:a14="http://schemas.microsoft.com/office/drawing/2010/main" xmlns="">
                 <a:solidFill>
                   <a:schemeClr val="accent1"/>
                 </a:solidFill>
               </a14:hiddenFill>
             </a:ext>
             <a:ext uri="{91240B29-F687-4F45-9708-019B960494DF}">
-              <a14:hiddenLine xmlns:a14="http://schemas.microsoft.com/office/drawing/2010/main" w="9525">
+              <a14:hiddenLine xmlns:a14="http://schemas.microsoft.com/office/drawing/2010/main" xmlns="" w="9525">
                 <a:solidFill>
                   <a:schemeClr val="tx1"/>
                 </a:solidFill>
@@ -4024,7 +4039,7 @@
               </a14:hiddenLine>
             </a:ext>
             <a:ext uri="{AF507438-7753-43E0-B8FC-AC1667EBCBE1}">
-              <a14:hiddenEffects xmlns:a14="http://schemas.microsoft.com/office/drawing/2010/main">
+              <a14:hiddenEffects xmlns:a14="http://schemas.microsoft.com/office/drawing/2010/main" xmlns="">
                 <a:effectLst>
                   <a:outerShdw dist="35921" dir="2700000" algn="ctr" rotWithShape="0">
                     <a:schemeClr val="bg2"/>
@@ -4038,7 +4053,7 @@
     </p:spTree>
     <p:extLst>
       <p:ext uri="{BB962C8B-B14F-4D97-AF65-F5344CB8AC3E}">
-        <p14:creationId xmlns:p14="http://schemas.microsoft.com/office/powerpoint/2010/main" val="2387432254"/>
+        <p14:creationId xmlns:p14="http://schemas.microsoft.com/office/powerpoint/2010/main" xmlns="" val="2387432254"/>
       </p:ext>
     </p:extLst>
   </p:cSld>
@@ -4133,7 +4148,7 @@
     </p:spTree>
     <p:extLst>
       <p:ext uri="{BB962C8B-B14F-4D97-AF65-F5344CB8AC3E}">
-        <p14:creationId xmlns:p14="http://schemas.microsoft.com/office/powerpoint/2010/main" val="2404782950"/>
+        <p14:creationId xmlns:p14="http://schemas.microsoft.com/office/powerpoint/2010/main" xmlns="" val="2404782950"/>
       </p:ext>
     </p:extLst>
   </p:cSld>
@@ -4303,7 +4318,7 @@
           <a:blip r:embed="rId2">
             <a:extLst>
               <a:ext uri="{28A0092B-C50C-407E-A947-70E740481C1C}">
-                <a14:useLocalDpi xmlns:a14="http://schemas.microsoft.com/office/drawing/2010/main" val="0"/>
+                <a14:useLocalDpi xmlns:a14="http://schemas.microsoft.com/office/drawing/2010/main" xmlns="" val="0"/>
               </a:ext>
             </a:extLst>
           </a:blip>
@@ -4327,14 +4342,14 @@
           <a:effectLst/>
           <a:extLst>
             <a:ext uri="{909E8E84-426E-40DD-AFC4-6F175D3DCCD1}">
-              <a14:hiddenFill xmlns:a14="http://schemas.microsoft.com/office/drawing/2010/main">
+              <a14:hiddenFill xmlns:a14="http://schemas.microsoft.com/office/drawing/2010/main" xmlns="">
                 <a:solidFill>
                   <a:schemeClr val="accent1"/>
                 </a:solidFill>
               </a14:hiddenFill>
             </a:ext>
             <a:ext uri="{91240B29-F687-4F45-9708-019B960494DF}">
-              <a14:hiddenLine xmlns:a14="http://schemas.microsoft.com/office/drawing/2010/main" w="9525">
+              <a14:hiddenLine xmlns:a14="http://schemas.microsoft.com/office/drawing/2010/main" xmlns="" w="9525">
                 <a:solidFill>
                   <a:schemeClr val="tx1"/>
                 </a:solidFill>
@@ -4344,7 +4359,7 @@
               </a14:hiddenLine>
             </a:ext>
             <a:ext uri="{AF507438-7753-43E0-B8FC-AC1667EBCBE1}">
-              <a14:hiddenEffects xmlns:a14="http://schemas.microsoft.com/office/drawing/2010/main">
+              <a14:hiddenEffects xmlns:a14="http://schemas.microsoft.com/office/drawing/2010/main" xmlns="">
                 <a:effectLst>
                   <a:outerShdw dist="35921" dir="2700000" algn="ctr" rotWithShape="0">
                     <a:schemeClr val="bg2"/>
@@ -4358,7 +4373,7 @@
     </p:spTree>
     <p:extLst>
       <p:ext uri="{BB962C8B-B14F-4D97-AF65-F5344CB8AC3E}">
-        <p14:creationId xmlns:p14="http://schemas.microsoft.com/office/powerpoint/2010/main" val="1947158237"/>
+        <p14:creationId xmlns:p14="http://schemas.microsoft.com/office/powerpoint/2010/main" xmlns="" val="1947158237"/>
       </p:ext>
     </p:extLst>
   </p:cSld>
@@ -4443,7 +4458,7 @@
     </p:spTree>
     <p:extLst>
       <p:ext uri="{BB962C8B-B14F-4D97-AF65-F5344CB8AC3E}">
-        <p14:creationId xmlns:p14="http://schemas.microsoft.com/office/powerpoint/2010/main" val="2679288337"/>
+        <p14:creationId xmlns:p14="http://schemas.microsoft.com/office/powerpoint/2010/main" xmlns="" val="2679288337"/>
       </p:ext>
     </p:extLst>
   </p:cSld>
@@ -4515,7 +4530,15 @@
           <a:p>
             <a:r>
               <a:rPr lang="zh-TW" altLang="en-US" dirty="0" smtClean="0"/>
-              <a:t>呈上一個</a:t>
+              <a:t>承</a:t>
+            </a:r>
+            <a:r>
+              <a:rPr lang="zh-TW" altLang="en-US" dirty="0" smtClean="0"/>
+              <a:t>上</a:t>
+            </a:r>
+            <a:r>
+              <a:rPr lang="zh-TW" altLang="en-US" dirty="0" smtClean="0"/>
+              <a:t>一個</a:t>
             </a:r>
             <a:r>
               <a:rPr lang="en-US" altLang="zh-TW" dirty="0" smtClean="0"/>
@@ -4535,7 +4558,7 @@
     </p:spTree>
     <p:extLst>
       <p:ext uri="{BB962C8B-B14F-4D97-AF65-F5344CB8AC3E}">
-        <p14:creationId xmlns:p14="http://schemas.microsoft.com/office/powerpoint/2010/main" val="716571743"/>
+        <p14:creationId xmlns:p14="http://schemas.microsoft.com/office/powerpoint/2010/main" xmlns="" val="716571743"/>
       </p:ext>
     </p:extLst>
   </p:cSld>
